--- a/Delivery Briefing/Delivery Briefing.pptx
+++ b/Delivery Briefing/Delivery Briefing.pptx
@@ -7,15 +7,15 @@
   <p:sldIdLst>
     <p:sldId id="256" r:id="rId2"/>
     <p:sldId id="257" r:id="rId3"/>
-    <p:sldId id="258" r:id="rId4"/>
-    <p:sldId id="261" r:id="rId5"/>
+    <p:sldId id="261" r:id="rId4"/>
+    <p:sldId id="258" r:id="rId5"/>
     <p:sldId id="262" r:id="rId6"/>
     <p:sldId id="263" r:id="rId7"/>
     <p:sldId id="264" r:id="rId8"/>
     <p:sldId id="265" r:id="rId9"/>
-    <p:sldId id="266" r:id="rId10"/>
-    <p:sldId id="267" r:id="rId11"/>
-    <p:sldId id="268" r:id="rId12"/>
+    <p:sldId id="268" r:id="rId10"/>
+    <p:sldId id="266" r:id="rId11"/>
+    <p:sldId id="267" r:id="rId12"/>
     <p:sldId id="260" r:id="rId13"/>
     <p:sldId id="259" r:id="rId14"/>
     <p:sldId id="269" r:id="rId15"/>
@@ -24,8 +24,9 @@
     <p:sldId id="272" r:id="rId18"/>
     <p:sldId id="273" r:id="rId19"/>
     <p:sldId id="274" r:id="rId20"/>
-    <p:sldId id="275" r:id="rId21"/>
-    <p:sldId id="276" r:id="rId22"/>
+    <p:sldId id="277" r:id="rId21"/>
+    <p:sldId id="275" r:id="rId22"/>
+    <p:sldId id="276" r:id="rId23"/>
   </p:sldIdLst>
   <p:sldSz cx="9144000" cy="6858000" type="screen4x3"/>
   <p:notesSz cx="6858000" cy="9144000"/>
@@ -238,7 +239,7 @@
           <a:p>
             <a:fld id="{26A62410-AE71-4803-BEEB-DCB17F99DD0F}" type="datetimeFigureOut">
               <a:rPr lang="en-US" smtClean="0"/>
-              <a:t>4/28/2013</a:t>
+              <a:t>4/29/2013</a:t>
             </a:fld>
             <a:endParaRPr lang="en-US"/>
           </a:p>
@@ -464,7 +465,7 @@
           <a:p>
             <a:fld id="{26A62410-AE71-4803-BEEB-DCB17F99DD0F}" type="datetimeFigureOut">
               <a:rPr lang="en-US" smtClean="0"/>
-              <a:t>4/28/2013</a:t>
+              <a:t>4/29/2013</a:t>
             </a:fld>
             <a:endParaRPr lang="en-US"/>
           </a:p>
@@ -639,7 +640,7 @@
           <a:p>
             <a:fld id="{26A62410-AE71-4803-BEEB-DCB17F99DD0F}" type="datetimeFigureOut">
               <a:rPr lang="en-US" smtClean="0"/>
-              <a:t>4/28/2013</a:t>
+              <a:t>4/29/2013</a:t>
             </a:fld>
             <a:endParaRPr lang="en-US"/>
           </a:p>
@@ -804,7 +805,7 @@
           <a:p>
             <a:fld id="{26A62410-AE71-4803-BEEB-DCB17F99DD0F}" type="datetimeFigureOut">
               <a:rPr lang="en-US" smtClean="0"/>
-              <a:t>4/28/2013</a:t>
+              <a:t>4/29/2013</a:t>
             </a:fld>
             <a:endParaRPr lang="en-US"/>
           </a:p>
@@ -1048,7 +1049,7 @@
           <a:p>
             <a:fld id="{26A62410-AE71-4803-BEEB-DCB17F99DD0F}" type="datetimeFigureOut">
               <a:rPr lang="en-US" smtClean="0"/>
-              <a:t>4/28/2013</a:t>
+              <a:t>4/29/2013</a:t>
             </a:fld>
             <a:endParaRPr lang="en-US"/>
           </a:p>
@@ -1312,7 +1313,7 @@
           <a:p>
             <a:fld id="{26A62410-AE71-4803-BEEB-DCB17F99DD0F}" type="datetimeFigureOut">
               <a:rPr lang="en-US" smtClean="0"/>
-              <a:t>4/28/2013</a:t>
+              <a:t>4/29/2013</a:t>
             </a:fld>
             <a:endParaRPr lang="en-US"/>
           </a:p>
@@ -1686,7 +1687,7 @@
           <a:p>
             <a:fld id="{26A62410-AE71-4803-BEEB-DCB17F99DD0F}" type="datetimeFigureOut">
               <a:rPr lang="en-US" smtClean="0"/>
-              <a:t>4/28/2013</a:t>
+              <a:t>4/29/2013</a:t>
             </a:fld>
             <a:endParaRPr lang="en-US"/>
           </a:p>
@@ -1799,7 +1800,7 @@
           <a:p>
             <a:fld id="{26A62410-AE71-4803-BEEB-DCB17F99DD0F}" type="datetimeFigureOut">
               <a:rPr lang="en-US" smtClean="0"/>
-              <a:t>4/28/2013</a:t>
+              <a:t>4/29/2013</a:t>
             </a:fld>
             <a:endParaRPr lang="en-US"/>
           </a:p>
@@ -1889,7 +1890,7 @@
           <a:p>
             <a:fld id="{26A62410-AE71-4803-BEEB-DCB17F99DD0F}" type="datetimeFigureOut">
               <a:rPr lang="en-US" smtClean="0"/>
-              <a:t>4/28/2013</a:t>
+              <a:t>4/29/2013</a:t>
             </a:fld>
             <a:endParaRPr lang="en-US"/>
           </a:p>
@@ -2147,7 +2148,7 @@
           <a:p>
             <a:fld id="{26A62410-AE71-4803-BEEB-DCB17F99DD0F}" type="datetimeFigureOut">
               <a:rPr lang="en-US" smtClean="0"/>
-              <a:t>4/28/2013</a:t>
+              <a:t>4/29/2013</a:t>
             </a:fld>
             <a:endParaRPr lang="en-US"/>
           </a:p>
@@ -2411,7 +2412,7 @@
           <a:p>
             <a:fld id="{26A62410-AE71-4803-BEEB-DCB17F99DD0F}" type="datetimeFigureOut">
               <a:rPr lang="en-US" smtClean="0"/>
-              <a:t>4/28/2013</a:t>
+              <a:t>4/29/2013</a:t>
             </a:fld>
             <a:endParaRPr lang="en-US"/>
           </a:p>
@@ -2628,7 +2629,7 @@
           <a:p>
             <a:fld id="{26A62410-AE71-4803-BEEB-DCB17F99DD0F}" type="datetimeFigureOut">
               <a:rPr lang="en-US" smtClean="0"/>
-              <a:t>4/28/2013</a:t>
+              <a:t>4/29/2013</a:t>
             </a:fld>
             <a:endParaRPr lang="en-US"/>
           </a:p>
@@ -3068,35 +3069,49 @@
             <p:ph type="ctrTitle"/>
           </p:nvPr>
         </p:nvSpPr>
-        <p:spPr/>
+        <p:spPr>
+          <a:xfrm>
+            <a:off x="457200" y="1371600"/>
+            <a:ext cx="8229600" cy="1828800"/>
+          </a:xfrm>
+        </p:spPr>
+        <p:txBody>
+          <a:bodyPr/>
+          <a:lstStyle/>
+          <a:p>
+            <a:r>
+              <a:rPr lang="en-US" dirty="0" err="1" smtClean="0"/>
+              <a:t>Intensio</a:t>
+            </a:r>
+            <a:endParaRPr lang="en-US" dirty="0"/>
+          </a:p>
+        </p:txBody>
+      </p:sp>
+      <p:sp>
+        <p:nvSpPr>
+          <p:cNvPr id="3" name="Subtitle 2"/>
+          <p:cNvSpPr>
+            <a:spLocks noGrp="1"/>
+          </p:cNvSpPr>
+          <p:nvPr>
+            <p:ph type="subTitle" idx="1"/>
+          </p:nvPr>
+        </p:nvSpPr>
+        <p:spPr>
+          <a:xfrm>
+            <a:off x="1371600" y="3581400"/>
+            <a:ext cx="6400800" cy="1752600"/>
+          </a:xfrm>
+        </p:spPr>
         <p:txBody>
           <a:bodyPr/>
           <a:lstStyle/>
           <a:p>
             <a:r>
               <a:rPr lang="en-US" dirty="0" smtClean="0"/>
-              <a:t>Overview</a:t>
+              <a:t>Simon Says Memory Game</a:t>
             </a:r>
             <a:endParaRPr lang="en-US" dirty="0"/>
-          </a:p>
-        </p:txBody>
-      </p:sp>
-      <p:sp>
-        <p:nvSpPr>
-          <p:cNvPr id="3" name="Subtitle 2"/>
-          <p:cNvSpPr>
-            <a:spLocks noGrp="1"/>
-          </p:cNvSpPr>
-          <p:nvPr>
-            <p:ph type="subTitle" idx="1"/>
-          </p:nvPr>
-        </p:nvSpPr>
-        <p:spPr/>
-        <p:txBody>
-          <a:bodyPr/>
-          <a:lstStyle/>
-          <a:p>
-            <a:endParaRPr lang="en-US"/>
           </a:p>
         </p:txBody>
       </p:sp>
@@ -3110,6 +3125,13 @@
   <p:clrMapOvr>
     <a:masterClrMapping/>
   </p:clrMapOvr>
+  <p:timing>
+    <p:tnLst>
+      <p:par>
+        <p:cTn id="1" dur="indefinite" restart="never" nodeType="tmRoot"/>
+      </p:par>
+    </p:tnLst>
+  </p:timing>
 </p:sld>
 </file>
 
@@ -3168,20 +3190,74 @@
           <a:bodyPr/>
           <a:lstStyle/>
           <a:p>
-            <a:endParaRPr lang="en-US"/>
-          </a:p>
-        </p:txBody>
-      </p:sp>
+            <a:r>
+              <a:rPr lang="en-US" dirty="0" smtClean="0"/>
+              <a:t>Use Case Diagram</a:t>
+            </a:r>
+          </a:p>
+          <a:p>
+            <a:endParaRPr lang="en-US" dirty="0"/>
+          </a:p>
+        </p:txBody>
+      </p:sp>
+      <p:pic>
+        <p:nvPicPr>
+          <p:cNvPr id="6146" name="Picture 2" descr="C:\Users\Ric\Desktop\Use Case Diagram.PNG"/>
+          <p:cNvPicPr>
+            <a:picLocks noChangeAspect="1" noChangeArrowheads="1"/>
+          </p:cNvPicPr>
+          <p:nvPr/>
+        </p:nvPicPr>
+        <p:blipFill>
+          <a:blip r:embed="rId2">
+            <a:extLst>
+              <a:ext uri="{28A0092B-C50C-407E-A947-70E740481C1C}">
+                <a14:useLocalDpi xmlns:a14="http://schemas.microsoft.com/office/drawing/2010/main" val="0"/>
+              </a:ext>
+            </a:extLst>
+          </a:blip>
+          <a:srcRect/>
+          <a:stretch>
+            <a:fillRect/>
+          </a:stretch>
+        </p:blipFill>
+        <p:spPr bwMode="auto">
+          <a:xfrm>
+            <a:off x="609600" y="2380625"/>
+            <a:ext cx="8001000" cy="4477375"/>
+          </a:xfrm>
+          <a:prstGeom prst="rect">
+            <a:avLst/>
+          </a:prstGeom>
+          <a:noFill/>
+          <a:extLst>
+            <a:ext uri="{909E8E84-426E-40DD-AFC4-6F175D3DCCD1}">
+              <a14:hiddenFill xmlns:a14="http://schemas.microsoft.com/office/drawing/2010/main">
+                <a:solidFill>
+                  <a:srgbClr val="FFFFFF"/>
+                </a:solidFill>
+              </a14:hiddenFill>
+            </a:ext>
+          </a:extLst>
+        </p:spPr>
+      </p:pic>
     </p:spTree>
     <p:extLst>
       <p:ext uri="{BB962C8B-B14F-4D97-AF65-F5344CB8AC3E}">
-        <p14:creationId xmlns:p14="http://schemas.microsoft.com/office/powerpoint/2010/main" val="458579031"/>
+        <p14:creationId xmlns:p14="http://schemas.microsoft.com/office/powerpoint/2010/main" val="1434033280"/>
       </p:ext>
     </p:extLst>
   </p:cSld>
   <p:clrMapOvr>
     <a:masterClrMapping/>
   </p:clrMapOvr>
+  <p:timing>
+    <p:tnLst>
+      <p:par>
+        <p:cTn id="1" dur="indefinite" restart="never" nodeType="tmRoot"/>
+      </p:par>
+    </p:tnLst>
+  </p:timing>
 </p:sld>
 </file>
 
@@ -3240,20 +3316,90 @@
           <a:bodyPr/>
           <a:lstStyle/>
           <a:p>
-            <a:endParaRPr lang="en-US"/>
-          </a:p>
-        </p:txBody>
-      </p:sp>
+            <a:r>
+              <a:rPr lang="en-US" dirty="0" smtClean="0"/>
+              <a:t>Domain Model</a:t>
+            </a:r>
+          </a:p>
+          <a:p>
+            <a:pPr marL="137160" indent="0">
+              <a:buNone/>
+            </a:pPr>
+            <a:endParaRPr lang="en-US" dirty="0"/>
+          </a:p>
+        </p:txBody>
+      </p:sp>
+      <p:pic>
+        <p:nvPicPr>
+          <p:cNvPr id="7170" name="Picture 2"/>
+          <p:cNvPicPr>
+            <a:picLocks noChangeAspect="1" noChangeArrowheads="1"/>
+          </p:cNvPicPr>
+          <p:nvPr/>
+        </p:nvPicPr>
+        <p:blipFill>
+          <a:blip r:embed="rId2">
+            <a:extLst>
+              <a:ext uri="{28A0092B-C50C-407E-A947-70E740481C1C}">
+                <a14:useLocalDpi xmlns:a14="http://schemas.microsoft.com/office/drawing/2010/main" val="0"/>
+              </a:ext>
+            </a:extLst>
+          </a:blip>
+          <a:srcRect/>
+          <a:stretch>
+            <a:fillRect/>
+          </a:stretch>
+        </p:blipFill>
+        <p:spPr bwMode="auto">
+          <a:xfrm>
+            <a:off x="533400" y="2300340"/>
+            <a:ext cx="7391400" cy="4314304"/>
+          </a:xfrm>
+          <a:prstGeom prst="rect">
+            <a:avLst/>
+          </a:prstGeom>
+          <a:noFill/>
+          <a:ln>
+            <a:noFill/>
+          </a:ln>
+          <a:extLst>
+            <a:ext uri="{909E8E84-426E-40DD-AFC4-6F175D3DCCD1}">
+              <a14:hiddenFill xmlns:a14="http://schemas.microsoft.com/office/drawing/2010/main">
+                <a:solidFill>
+                  <a:schemeClr val="accent1"/>
+                </a:solidFill>
+              </a14:hiddenFill>
+            </a:ext>
+            <a:ext uri="{91240B29-F687-4F45-9708-019B960494DF}">
+              <a14:hiddenLine xmlns:a14="http://schemas.microsoft.com/office/drawing/2010/main" w="9525">
+                <a:solidFill>
+                  <a:schemeClr val="tx1"/>
+                </a:solidFill>
+                <a:miter lim="800000"/>
+                <a:headEnd/>
+                <a:tailEnd/>
+              </a14:hiddenLine>
+            </a:ext>
+          </a:extLst>
+        </p:spPr>
+      </p:pic>
     </p:spTree>
     <p:extLst>
       <p:ext uri="{BB962C8B-B14F-4D97-AF65-F5344CB8AC3E}">
-        <p14:creationId xmlns:p14="http://schemas.microsoft.com/office/powerpoint/2010/main" val="3651335798"/>
+        <p14:creationId xmlns:p14="http://schemas.microsoft.com/office/powerpoint/2010/main" val="458579031"/>
       </p:ext>
     </p:extLst>
   </p:cSld>
   <p:clrMapOvr>
     <a:masterClrMapping/>
   </p:clrMapOvr>
+  <p:timing>
+    <p:tnLst>
+      <p:par>
+        <p:cTn id="1" dur="indefinite" restart="never" nodeType="tmRoot"/>
+      </p:par>
+    </p:tnLst>
+  </p:timing>
 </p:sld>
 </file>
 
@@ -3312,10 +3458,70 @@
           <a:bodyPr/>
           <a:lstStyle/>
           <a:p>
-            <a:endParaRPr lang="en-US"/>
-          </a:p>
-        </p:txBody>
-      </p:sp>
+            <a:r>
+              <a:rPr lang="en-US" dirty="0" smtClean="0"/>
+              <a:t>State Machine Diagram</a:t>
+            </a:r>
+          </a:p>
+          <a:p>
+            <a:endParaRPr lang="en-US" dirty="0"/>
+          </a:p>
+        </p:txBody>
+      </p:sp>
+      <p:pic>
+        <p:nvPicPr>
+          <p:cNvPr id="8194" name="Picture 2"/>
+          <p:cNvPicPr>
+            <a:picLocks noChangeAspect="1" noChangeArrowheads="1"/>
+          </p:cNvPicPr>
+          <p:nvPr/>
+        </p:nvPicPr>
+        <p:blipFill>
+          <a:blip r:embed="rId2">
+            <a:extLst>
+              <a:ext uri="{28A0092B-C50C-407E-A947-70E740481C1C}">
+                <a14:useLocalDpi xmlns:a14="http://schemas.microsoft.com/office/drawing/2010/main" val="0"/>
+              </a:ext>
+            </a:extLst>
+          </a:blip>
+          <a:srcRect/>
+          <a:stretch>
+            <a:fillRect/>
+          </a:stretch>
+        </p:blipFill>
+        <p:spPr bwMode="auto">
+          <a:xfrm>
+            <a:off x="817418" y="2362200"/>
+            <a:ext cx="7183582" cy="4254248"/>
+          </a:xfrm>
+          <a:prstGeom prst="rect">
+            <a:avLst/>
+          </a:prstGeom>
+          <a:noFill/>
+          <a:ln>
+            <a:noFill/>
+          </a:ln>
+          <a:extLst>
+            <a:ext uri="{909E8E84-426E-40DD-AFC4-6F175D3DCCD1}">
+              <a14:hiddenFill xmlns:a14="http://schemas.microsoft.com/office/drawing/2010/main">
+                <a:solidFill>
+                  <a:schemeClr val="accent1"/>
+                </a:solidFill>
+              </a14:hiddenFill>
+            </a:ext>
+            <a:ext uri="{91240B29-F687-4F45-9708-019B960494DF}">
+              <a14:hiddenLine xmlns:a14="http://schemas.microsoft.com/office/drawing/2010/main" w="9525">
+                <a:solidFill>
+                  <a:schemeClr val="tx1"/>
+                </a:solidFill>
+                <a:miter lim="800000"/>
+                <a:headEnd/>
+                <a:tailEnd/>
+              </a14:hiddenLine>
+            </a:ext>
+          </a:extLst>
+        </p:spPr>
+      </p:pic>
     </p:spTree>
     <p:extLst>
       <p:ext uri="{BB962C8B-B14F-4D97-AF65-F5344CB8AC3E}">
@@ -3326,6 +3532,13 @@
   <p:clrMapOvr>
     <a:masterClrMapping/>
   </p:clrMapOvr>
+  <p:timing>
+    <p:tnLst>
+      <p:par>
+        <p:cTn id="1" dur="indefinite" restart="never" nodeType="tmRoot"/>
+      </p:par>
+    </p:tnLst>
+  </p:timing>
 </p:sld>
 </file>
 
@@ -3384,10 +3597,70 @@
           <a:bodyPr/>
           <a:lstStyle/>
           <a:p>
-            <a:endParaRPr lang="en-US"/>
-          </a:p>
-        </p:txBody>
-      </p:sp>
+            <a:r>
+              <a:rPr lang="en-US" dirty="0" smtClean="0"/>
+              <a:t>Package Diagram</a:t>
+            </a:r>
+          </a:p>
+          <a:p>
+            <a:endParaRPr lang="en-US" dirty="0"/>
+          </a:p>
+        </p:txBody>
+      </p:sp>
+      <p:pic>
+        <p:nvPicPr>
+          <p:cNvPr id="9218" name="Picture 2"/>
+          <p:cNvPicPr>
+            <a:picLocks noChangeAspect="1" noChangeArrowheads="1"/>
+          </p:cNvPicPr>
+          <p:nvPr/>
+        </p:nvPicPr>
+        <p:blipFill>
+          <a:blip r:embed="rId2">
+            <a:extLst>
+              <a:ext uri="{28A0092B-C50C-407E-A947-70E740481C1C}">
+                <a14:useLocalDpi xmlns:a14="http://schemas.microsoft.com/office/drawing/2010/main" val="0"/>
+              </a:ext>
+            </a:extLst>
+          </a:blip>
+          <a:srcRect/>
+          <a:stretch>
+            <a:fillRect/>
+          </a:stretch>
+        </p:blipFill>
+        <p:spPr bwMode="auto">
+          <a:xfrm>
+            <a:off x="533400" y="2115468"/>
+            <a:ext cx="7924800" cy="4700464"/>
+          </a:xfrm>
+          <a:prstGeom prst="rect">
+            <a:avLst/>
+          </a:prstGeom>
+          <a:noFill/>
+          <a:ln>
+            <a:noFill/>
+          </a:ln>
+          <a:extLst>
+            <a:ext uri="{909E8E84-426E-40DD-AFC4-6F175D3DCCD1}">
+              <a14:hiddenFill xmlns:a14="http://schemas.microsoft.com/office/drawing/2010/main">
+                <a:solidFill>
+                  <a:schemeClr val="accent1"/>
+                </a:solidFill>
+              </a14:hiddenFill>
+            </a:ext>
+            <a:ext uri="{91240B29-F687-4F45-9708-019B960494DF}">
+              <a14:hiddenLine xmlns:a14="http://schemas.microsoft.com/office/drawing/2010/main" w="9525">
+                <a:solidFill>
+                  <a:schemeClr val="tx1"/>
+                </a:solidFill>
+                <a:miter lim="800000"/>
+                <a:headEnd/>
+                <a:tailEnd/>
+              </a14:hiddenLine>
+            </a:ext>
+          </a:extLst>
+        </p:spPr>
+      </p:pic>
     </p:spTree>
     <p:extLst>
       <p:ext uri="{BB962C8B-B14F-4D97-AF65-F5344CB8AC3E}">
@@ -3398,6 +3671,13 @@
   <p:clrMapOvr>
     <a:masterClrMapping/>
   </p:clrMapOvr>
+  <p:timing>
+    <p:tnLst>
+      <p:par>
+        <p:cTn id="1" dur="indefinite" restart="never" nodeType="tmRoot"/>
+      </p:par>
+    </p:tnLst>
+  </p:timing>
 </p:sld>
 </file>
 
@@ -3456,10 +3736,70 @@
           <a:bodyPr/>
           <a:lstStyle/>
           <a:p>
-            <a:endParaRPr lang="en-US"/>
-          </a:p>
-        </p:txBody>
-      </p:sp>
+            <a:r>
+              <a:rPr lang="en-US" dirty="0" smtClean="0"/>
+              <a:t>Deployment Diagram</a:t>
+            </a:r>
+          </a:p>
+          <a:p>
+            <a:endParaRPr lang="en-US" dirty="0"/>
+          </a:p>
+        </p:txBody>
+      </p:sp>
+      <p:pic>
+        <p:nvPicPr>
+          <p:cNvPr id="10242" name="Picture 2"/>
+          <p:cNvPicPr>
+            <a:picLocks noChangeAspect="1" noChangeArrowheads="1"/>
+          </p:cNvPicPr>
+          <p:nvPr/>
+        </p:nvPicPr>
+        <p:blipFill>
+          <a:blip r:embed="rId2">
+            <a:extLst>
+              <a:ext uri="{28A0092B-C50C-407E-A947-70E740481C1C}">
+                <a14:useLocalDpi xmlns:a14="http://schemas.microsoft.com/office/drawing/2010/main" val="0"/>
+              </a:ext>
+            </a:extLst>
+          </a:blip>
+          <a:srcRect/>
+          <a:stretch>
+            <a:fillRect/>
+          </a:stretch>
+        </p:blipFill>
+        <p:spPr bwMode="auto">
+          <a:xfrm>
+            <a:off x="990600" y="2286000"/>
+            <a:ext cx="6019800" cy="4440061"/>
+          </a:xfrm>
+          <a:prstGeom prst="rect">
+            <a:avLst/>
+          </a:prstGeom>
+          <a:noFill/>
+          <a:ln>
+            <a:noFill/>
+          </a:ln>
+          <a:extLst>
+            <a:ext uri="{909E8E84-426E-40DD-AFC4-6F175D3DCCD1}">
+              <a14:hiddenFill xmlns:a14="http://schemas.microsoft.com/office/drawing/2010/main">
+                <a:solidFill>
+                  <a:schemeClr val="accent1"/>
+                </a:solidFill>
+              </a14:hiddenFill>
+            </a:ext>
+            <a:ext uri="{91240B29-F687-4F45-9708-019B960494DF}">
+              <a14:hiddenLine xmlns:a14="http://schemas.microsoft.com/office/drawing/2010/main" w="9525">
+                <a:solidFill>
+                  <a:schemeClr val="tx1"/>
+                </a:solidFill>
+                <a:miter lim="800000"/>
+                <a:headEnd/>
+                <a:tailEnd/>
+              </a14:hiddenLine>
+            </a:ext>
+          </a:extLst>
+        </p:spPr>
+      </p:pic>
     </p:spTree>
     <p:extLst>
       <p:ext uri="{BB962C8B-B14F-4D97-AF65-F5344CB8AC3E}">
@@ -3470,6 +3810,13 @@
   <p:clrMapOvr>
     <a:masterClrMapping/>
   </p:clrMapOvr>
+  <p:timing>
+    <p:tnLst>
+      <p:par>
+        <p:cTn id="1" dur="indefinite" restart="never" nodeType="tmRoot"/>
+      </p:par>
+    </p:tnLst>
+  </p:timing>
 </p:sld>
 </file>
 
@@ -3542,6 +3889,13 @@
   <p:clrMapOvr>
     <a:masterClrMapping/>
   </p:clrMapOvr>
+  <p:timing>
+    <p:tnLst>
+      <p:par>
+        <p:cTn id="1" dur="indefinite" restart="never" nodeType="tmRoot"/>
+      </p:par>
+    </p:tnLst>
+  </p:timing>
 </p:sld>
 </file>
 
@@ -3614,6 +3968,13 @@
   <p:clrMapOvr>
     <a:masterClrMapping/>
   </p:clrMapOvr>
+  <p:timing>
+    <p:tnLst>
+      <p:par>
+        <p:cTn id="1" dur="indefinite" restart="never" nodeType="tmRoot"/>
+      </p:par>
+    </p:tnLst>
+  </p:timing>
 </p:sld>
 </file>
 
@@ -3686,6 +4047,13 @@
   <p:clrMapOvr>
     <a:masterClrMapping/>
   </p:clrMapOvr>
+  <p:timing>
+    <p:tnLst>
+      <p:par>
+        <p:cTn id="1" dur="indefinite" restart="never" nodeType="tmRoot"/>
+      </p:par>
+    </p:tnLst>
+  </p:timing>
 </p:sld>
 </file>
 
@@ -3758,6 +4126,13 @@
   <p:clrMapOvr>
     <a:masterClrMapping/>
   </p:clrMapOvr>
+  <p:timing>
+    <p:tnLst>
+      <p:par>
+        <p:cTn id="1" dur="indefinite" restart="never" nodeType="tmRoot"/>
+      </p:par>
+    </p:tnLst>
+  </p:timing>
 </p:sld>
 </file>
 
@@ -3795,7 +4170,7 @@
           <a:p>
             <a:r>
               <a:rPr lang="en-US" dirty="0" smtClean="0"/>
-              <a:t>Implementation</a:t>
+              <a:t>Testing</a:t>
             </a:r>
             <a:endParaRPr lang="en-US" dirty="0"/>
           </a:p>
@@ -3830,6 +4205,13 @@
   <p:clrMapOvr>
     <a:masterClrMapping/>
   </p:clrMapOvr>
+  <p:timing>
+    <p:tnLst>
+      <p:par>
+        <p:cTn id="1" dur="indefinite" restart="never" nodeType="tmRoot"/>
+      </p:par>
+    </p:tnLst>
+  </p:timing>
 </p:sld>
 </file>
 
@@ -3888,7 +4270,50 @@
           <a:bodyPr/>
           <a:lstStyle/>
           <a:p>
-            <a:endParaRPr lang="en-US"/>
+            <a:r>
+              <a:rPr lang="en-US" dirty="0" smtClean="0"/>
+              <a:t>Timothy Sullivan</a:t>
+            </a:r>
+          </a:p>
+          <a:p>
+            <a:r>
+              <a:rPr lang="en-US" dirty="0" smtClean="0"/>
+              <a:t>William Holder</a:t>
+            </a:r>
+          </a:p>
+          <a:p>
+            <a:r>
+              <a:rPr lang="en-US" dirty="0" err="1" smtClean="0"/>
+              <a:t>Hao</a:t>
+            </a:r>
+            <a:r>
+              <a:rPr lang="en-US" dirty="0" smtClean="0"/>
+              <a:t> Wu</a:t>
+            </a:r>
+          </a:p>
+          <a:p>
+            <a:r>
+              <a:rPr lang="en-US" dirty="0" smtClean="0"/>
+              <a:t>Jason Purcell</a:t>
+            </a:r>
+          </a:p>
+          <a:p>
+            <a:r>
+              <a:rPr lang="en-US" dirty="0" err="1" smtClean="0"/>
+              <a:t>Ric</a:t>
+            </a:r>
+            <a:r>
+              <a:rPr lang="en-US" dirty="0" smtClean="0"/>
+              <a:t> </a:t>
+            </a:r>
+            <a:r>
+              <a:rPr lang="en-US" dirty="0" err="1" smtClean="0"/>
+              <a:t>Poirson</a:t>
+            </a:r>
+            <a:endParaRPr lang="en-US" dirty="0" smtClean="0"/>
+          </a:p>
+          <a:p>
+            <a:endParaRPr lang="en-US" dirty="0"/>
           </a:p>
         </p:txBody>
       </p:sp>
@@ -3902,6 +4327,13 @@
   <p:clrMapOvr>
     <a:masterClrMapping/>
   </p:clrMapOvr>
+  <p:timing>
+    <p:tnLst>
+      <p:par>
+        <p:cTn id="1" dur="indefinite" restart="never" nodeType="tmRoot"/>
+      </p:par>
+    </p:tnLst>
+  </p:timing>
 </p:sld>
 </file>
 
@@ -3939,7 +4371,7 @@
           <a:p>
             <a:r>
               <a:rPr lang="en-US" dirty="0" smtClean="0"/>
-              <a:t>Implementation</a:t>
+              <a:t>Testing</a:t>
             </a:r>
             <a:endParaRPr lang="en-US" dirty="0"/>
           </a:p>
@@ -3967,13 +4399,20 @@
     </p:spTree>
     <p:extLst>
       <p:ext uri="{BB962C8B-B14F-4D97-AF65-F5344CB8AC3E}">
-        <p14:creationId xmlns:p14="http://schemas.microsoft.com/office/powerpoint/2010/main" val="2798055496"/>
+        <p14:creationId xmlns:p14="http://schemas.microsoft.com/office/powerpoint/2010/main" val="4044194162"/>
       </p:ext>
     </p:extLst>
   </p:cSld>
   <p:clrMapOvr>
     <a:masterClrMapping/>
   </p:clrMapOvr>
+  <p:timing>
+    <p:tnLst>
+      <p:par>
+        <p:cTn id="1" dur="indefinite" restart="never" nodeType="tmRoot"/>
+      </p:par>
+    </p:tnLst>
+  </p:timing>
 </p:sld>
 </file>
 
@@ -4039,6 +4478,85 @@
     </p:spTree>
     <p:extLst>
       <p:ext uri="{BB962C8B-B14F-4D97-AF65-F5344CB8AC3E}">
+        <p14:creationId xmlns:p14="http://schemas.microsoft.com/office/powerpoint/2010/main" val="2798055496"/>
+      </p:ext>
+    </p:extLst>
+  </p:cSld>
+  <p:clrMapOvr>
+    <a:masterClrMapping/>
+  </p:clrMapOvr>
+  <p:timing>
+    <p:tnLst>
+      <p:par>
+        <p:cTn id="1" dur="indefinite" restart="never" nodeType="tmRoot"/>
+      </p:par>
+    </p:tnLst>
+  </p:timing>
+</p:sld>
+</file>
+
+<file path=ppt/slides/slide22.xml><?xml version="1.0" encoding="utf-8"?>
+<p:sld xmlns:a="http://schemas.openxmlformats.org/drawingml/2006/main" xmlns:r="http://schemas.openxmlformats.org/officeDocument/2006/relationships" xmlns:p="http://schemas.openxmlformats.org/presentationml/2006/main">
+  <p:cSld>
+    <p:spTree>
+      <p:nvGrpSpPr>
+        <p:cNvPr id="1" name=""/>
+        <p:cNvGrpSpPr/>
+        <p:nvPr/>
+      </p:nvGrpSpPr>
+      <p:grpSpPr>
+        <a:xfrm>
+          <a:off x="0" y="0"/>
+          <a:ext cx="0" cy="0"/>
+          <a:chOff x="0" y="0"/>
+          <a:chExt cx="0" cy="0"/>
+        </a:xfrm>
+      </p:grpSpPr>
+      <p:sp>
+        <p:nvSpPr>
+          <p:cNvPr id="2" name="Title 1"/>
+          <p:cNvSpPr>
+            <a:spLocks noGrp="1"/>
+          </p:cNvSpPr>
+          <p:nvPr>
+            <p:ph type="title"/>
+          </p:nvPr>
+        </p:nvSpPr>
+        <p:spPr/>
+        <p:txBody>
+          <a:bodyPr/>
+          <a:lstStyle/>
+          <a:p>
+            <a:r>
+              <a:rPr lang="en-US" dirty="0" smtClean="0"/>
+              <a:t>Implementation</a:t>
+            </a:r>
+            <a:endParaRPr lang="en-US" dirty="0"/>
+          </a:p>
+        </p:txBody>
+      </p:sp>
+      <p:sp>
+        <p:nvSpPr>
+          <p:cNvPr id="3" name="Content Placeholder 2"/>
+          <p:cNvSpPr>
+            <a:spLocks noGrp="1"/>
+          </p:cNvSpPr>
+          <p:nvPr>
+            <p:ph idx="1"/>
+          </p:nvPr>
+        </p:nvSpPr>
+        <p:spPr/>
+        <p:txBody>
+          <a:bodyPr/>
+          <a:lstStyle/>
+          <a:p>
+            <a:endParaRPr lang="en-US"/>
+          </a:p>
+        </p:txBody>
+      </p:sp>
+    </p:spTree>
+    <p:extLst>
+      <p:ext uri="{BB962C8B-B14F-4D97-AF65-F5344CB8AC3E}">
         <p14:creationId xmlns:p14="http://schemas.microsoft.com/office/powerpoint/2010/main" val="4255231798"/>
       </p:ext>
     </p:extLst>
@@ -4046,6 +4564,13 @@
   <p:clrMapOvr>
     <a:masterClrMapping/>
   </p:clrMapOvr>
+  <p:timing>
+    <p:tnLst>
+      <p:par>
+        <p:cTn id="1" dur="indefinite" restart="never" nodeType="tmRoot"/>
+      </p:par>
+    </p:tnLst>
+  </p:timing>
 </p:sld>
 </file>
 
@@ -4104,20 +4629,92 @@
           <a:bodyPr/>
           <a:lstStyle/>
           <a:p>
-            <a:endParaRPr lang="en-US"/>
-          </a:p>
-        </p:txBody>
-      </p:sp>
+            <a:r>
+              <a:rPr lang="en-US" dirty="0" smtClean="0"/>
+              <a:t>William Holder</a:t>
+            </a:r>
+          </a:p>
+          <a:p>
+            <a:pPr lvl="1"/>
+            <a:r>
+              <a:rPr lang="en-US" dirty="0" smtClean="0"/>
+              <a:t>Project Lead/ Meeting Organizer/Programming Lead/Documentation Lead</a:t>
+            </a:r>
+            <a:endParaRPr lang="en-US" dirty="0"/>
+          </a:p>
+        </p:txBody>
+      </p:sp>
+      <p:pic>
+        <p:nvPicPr>
+          <p:cNvPr id="2050" name="Picture 2"/>
+          <p:cNvPicPr>
+            <a:picLocks noChangeAspect="1" noChangeArrowheads="1"/>
+          </p:cNvPicPr>
+          <p:nvPr/>
+        </p:nvPicPr>
+        <p:blipFill>
+          <a:blip r:embed="rId2">
+            <a:extLst>
+              <a:ext uri="{28A0092B-C50C-407E-A947-70E740481C1C}">
+                <a14:useLocalDpi xmlns:a14="http://schemas.microsoft.com/office/drawing/2010/main" val="0"/>
+              </a:ext>
+            </a:extLst>
+          </a:blip>
+          <a:srcRect/>
+          <a:stretch>
+            <a:fillRect/>
+          </a:stretch>
+        </p:blipFill>
+        <p:spPr bwMode="auto">
+          <a:xfrm>
+            <a:off x="1600200" y="3200400"/>
+            <a:ext cx="3124200" cy="3124200"/>
+          </a:xfrm>
+          <a:prstGeom prst="rect">
+            <a:avLst/>
+          </a:prstGeom>
+          <a:noFill/>
+          <a:ln>
+            <a:noFill/>
+          </a:ln>
+          <a:extLst>
+            <a:ext uri="{909E8E84-426E-40DD-AFC4-6F175D3DCCD1}">
+              <a14:hiddenFill xmlns:a14="http://schemas.microsoft.com/office/drawing/2010/main">
+                <a:solidFill>
+                  <a:schemeClr val="accent1"/>
+                </a:solidFill>
+              </a14:hiddenFill>
+            </a:ext>
+            <a:ext uri="{91240B29-F687-4F45-9708-019B960494DF}">
+              <a14:hiddenLine xmlns:a14="http://schemas.microsoft.com/office/drawing/2010/main" w="9525">
+                <a:solidFill>
+                  <a:schemeClr val="tx1"/>
+                </a:solidFill>
+                <a:miter lim="800000"/>
+                <a:headEnd/>
+                <a:tailEnd/>
+              </a14:hiddenLine>
+            </a:ext>
+          </a:extLst>
+        </p:spPr>
+      </p:pic>
     </p:spTree>
     <p:extLst>
       <p:ext uri="{BB962C8B-B14F-4D97-AF65-F5344CB8AC3E}">
-        <p14:creationId xmlns:p14="http://schemas.microsoft.com/office/powerpoint/2010/main" val="4204634209"/>
+        <p14:creationId xmlns:p14="http://schemas.microsoft.com/office/powerpoint/2010/main" val="2567791221"/>
       </p:ext>
     </p:extLst>
   </p:cSld>
   <p:clrMapOvr>
     <a:masterClrMapping/>
   </p:clrMapOvr>
+  <p:timing>
+    <p:tnLst>
+      <p:par>
+        <p:cTn id="1" dur="indefinite" restart="never" nodeType="tmRoot"/>
+      </p:par>
+    </p:tnLst>
+  </p:timing>
 </p:sld>
 </file>
 
@@ -4176,20 +4773,139 @@
           <a:bodyPr/>
           <a:lstStyle/>
           <a:p>
-            <a:endParaRPr lang="en-US"/>
-          </a:p>
-        </p:txBody>
-      </p:sp>
+            <a:r>
+              <a:rPr lang="en-US" dirty="0" smtClean="0"/>
+              <a:t>Met twice a week on </a:t>
+            </a:r>
+            <a:r>
+              <a:rPr lang="en-US" dirty="0" err="1" smtClean="0"/>
+              <a:t>skype</a:t>
+            </a:r>
+            <a:endParaRPr lang="en-US" dirty="0" smtClean="0"/>
+          </a:p>
+          <a:p>
+            <a:r>
+              <a:rPr lang="en-US" dirty="0" smtClean="0"/>
+              <a:t>Used big blue button to screen share</a:t>
+            </a:r>
+          </a:p>
+          <a:p>
+            <a:endParaRPr lang="en-US" dirty="0"/>
+          </a:p>
+        </p:txBody>
+      </p:sp>
+      <p:pic>
+        <p:nvPicPr>
+          <p:cNvPr id="1026" name="Picture 2"/>
+          <p:cNvPicPr>
+            <a:picLocks noChangeAspect="1" noChangeArrowheads="1"/>
+          </p:cNvPicPr>
+          <p:nvPr/>
+        </p:nvPicPr>
+        <p:blipFill>
+          <a:blip r:embed="rId2" cstate="print">
+            <a:extLst>
+              <a:ext uri="{28A0092B-C50C-407E-A947-70E740481C1C}">
+                <a14:useLocalDpi xmlns:a14="http://schemas.microsoft.com/office/drawing/2010/main" val="0"/>
+              </a:ext>
+            </a:extLst>
+          </a:blip>
+          <a:srcRect/>
+          <a:stretch>
+            <a:fillRect/>
+          </a:stretch>
+        </p:blipFill>
+        <p:spPr bwMode="auto">
+          <a:xfrm>
+            <a:off x="381000" y="3657600"/>
+            <a:ext cx="3581400" cy="2013124"/>
+          </a:xfrm>
+          <a:prstGeom prst="rect">
+            <a:avLst/>
+          </a:prstGeom>
+          <a:noFill/>
+          <a:ln>
+            <a:noFill/>
+          </a:ln>
+          <a:extLst>
+            <a:ext uri="{909E8E84-426E-40DD-AFC4-6F175D3DCCD1}">
+              <a14:hiddenFill xmlns:a14="http://schemas.microsoft.com/office/drawing/2010/main">
+                <a:solidFill>
+                  <a:schemeClr val="accent1"/>
+                </a:solidFill>
+              </a14:hiddenFill>
+            </a:ext>
+            <a:ext uri="{91240B29-F687-4F45-9708-019B960494DF}">
+              <a14:hiddenLine xmlns:a14="http://schemas.microsoft.com/office/drawing/2010/main" w="9525">
+                <a:solidFill>
+                  <a:schemeClr val="tx1"/>
+                </a:solidFill>
+                <a:miter lim="800000"/>
+                <a:headEnd/>
+                <a:tailEnd/>
+              </a14:hiddenLine>
+            </a:ext>
+          </a:extLst>
+        </p:spPr>
+      </p:pic>
+      <p:pic>
+        <p:nvPicPr>
+          <p:cNvPr id="1028" name="Picture 4" descr="http://zenit.senecac.on.ca/wiki/imgs/Bigbluebutton.png"/>
+          <p:cNvPicPr>
+            <a:picLocks noChangeAspect="1" noChangeArrowheads="1"/>
+          </p:cNvPicPr>
+          <p:nvPr/>
+        </p:nvPicPr>
+        <p:blipFill>
+          <a:blip r:embed="rId3">
+            <a:extLst>
+              <a:ext uri="{28A0092B-C50C-407E-A947-70E740481C1C}">
+                <a14:useLocalDpi xmlns:a14="http://schemas.microsoft.com/office/drawing/2010/main" val="0"/>
+              </a:ext>
+            </a:extLst>
+          </a:blip>
+          <a:srcRect/>
+          <a:stretch>
+            <a:fillRect/>
+          </a:stretch>
+        </p:blipFill>
+        <p:spPr bwMode="auto">
+          <a:xfrm>
+            <a:off x="5015345" y="3886200"/>
+            <a:ext cx="2528455" cy="2528455"/>
+          </a:xfrm>
+          <a:prstGeom prst="rect">
+            <a:avLst/>
+          </a:prstGeom>
+          <a:noFill/>
+          <a:extLst>
+            <a:ext uri="{909E8E84-426E-40DD-AFC4-6F175D3DCCD1}">
+              <a14:hiddenFill xmlns:a14="http://schemas.microsoft.com/office/drawing/2010/main">
+                <a:solidFill>
+                  <a:srgbClr val="FFFFFF"/>
+                </a:solidFill>
+              </a14:hiddenFill>
+            </a:ext>
+          </a:extLst>
+        </p:spPr>
+      </p:pic>
     </p:spTree>
     <p:extLst>
       <p:ext uri="{BB962C8B-B14F-4D97-AF65-F5344CB8AC3E}">
-        <p14:creationId xmlns:p14="http://schemas.microsoft.com/office/powerpoint/2010/main" val="2567791221"/>
+        <p14:creationId xmlns:p14="http://schemas.microsoft.com/office/powerpoint/2010/main" val="4204634209"/>
       </p:ext>
     </p:extLst>
   </p:cSld>
   <p:clrMapOvr>
     <a:masterClrMapping/>
   </p:clrMapOvr>
+  <p:timing>
+    <p:tnLst>
+      <p:par>
+        <p:cTn id="1" dur="indefinite" restart="never" nodeType="tmRoot"/>
+      </p:par>
+    </p:tnLst>
+  </p:timing>
 </p:sld>
 </file>
 
@@ -4248,10 +4964,87 @@
           <a:bodyPr/>
           <a:lstStyle/>
           <a:p>
-            <a:endParaRPr lang="en-US"/>
-          </a:p>
-        </p:txBody>
-      </p:sp>
+            <a:r>
+              <a:rPr lang="en-US" dirty="0" smtClean="0"/>
+              <a:t>Quality Assurance</a:t>
+            </a:r>
+          </a:p>
+          <a:p>
+            <a:pPr lvl="1"/>
+            <a:r>
+              <a:rPr lang="en-US" dirty="0" err="1" smtClean="0"/>
+              <a:t>Github</a:t>
+            </a:r>
+            <a:endParaRPr lang="en-US" dirty="0" smtClean="0"/>
+          </a:p>
+          <a:p>
+            <a:pPr lvl="1"/>
+            <a:r>
+              <a:rPr lang="en-US" dirty="0" smtClean="0"/>
+              <a:t>Timothy Sullivan</a:t>
+            </a:r>
+            <a:endParaRPr lang="en-US" dirty="0"/>
+          </a:p>
+          <a:p>
+            <a:pPr lvl="1"/>
+            <a:endParaRPr lang="en-US" dirty="0" smtClean="0"/>
+          </a:p>
+        </p:txBody>
+      </p:sp>
+      <p:pic>
+        <p:nvPicPr>
+          <p:cNvPr id="3074" name="Picture 2"/>
+          <p:cNvPicPr>
+            <a:picLocks noChangeAspect="1" noChangeArrowheads="1"/>
+          </p:cNvPicPr>
+          <p:nvPr/>
+        </p:nvPicPr>
+        <p:blipFill>
+          <a:blip r:embed="rId2">
+            <a:extLst>
+              <a:ext uri="{28A0092B-C50C-407E-A947-70E740481C1C}">
+                <a14:useLocalDpi xmlns:a14="http://schemas.microsoft.com/office/drawing/2010/main" val="0"/>
+              </a:ext>
+            </a:extLst>
+          </a:blip>
+          <a:srcRect/>
+          <a:stretch>
+            <a:fillRect/>
+          </a:stretch>
+        </p:blipFill>
+        <p:spPr bwMode="auto">
+          <a:xfrm>
+            <a:off x="5334000" y="2209800"/>
+            <a:ext cx="2857500" cy="4286250"/>
+          </a:xfrm>
+          <a:prstGeom prst="rect">
+            <a:avLst/>
+          </a:prstGeom>
+          <a:noFill/>
+          <a:ln>
+            <a:noFill/>
+          </a:ln>
+          <a:extLst>
+            <a:ext uri="{909E8E84-426E-40DD-AFC4-6F175D3DCCD1}">
+              <a14:hiddenFill xmlns:a14="http://schemas.microsoft.com/office/drawing/2010/main">
+                <a:solidFill>
+                  <a:schemeClr val="accent1"/>
+                </a:solidFill>
+              </a14:hiddenFill>
+            </a:ext>
+            <a:ext uri="{91240B29-F687-4F45-9708-019B960494DF}">
+              <a14:hiddenLine xmlns:a14="http://schemas.microsoft.com/office/drawing/2010/main" w="9525">
+                <a:solidFill>
+                  <a:schemeClr val="tx1"/>
+                </a:solidFill>
+                <a:miter lim="800000"/>
+                <a:headEnd/>
+                <a:tailEnd/>
+              </a14:hiddenLine>
+            </a:ext>
+          </a:extLst>
+        </p:spPr>
+      </p:pic>
     </p:spTree>
     <p:extLst>
       <p:ext uri="{BB962C8B-B14F-4D97-AF65-F5344CB8AC3E}">
@@ -4262,6 +5055,13 @@
   <p:clrMapOvr>
     <a:masterClrMapping/>
   </p:clrMapOvr>
+  <p:timing>
+    <p:tnLst>
+      <p:par>
+        <p:cTn id="1" dur="indefinite" restart="never" nodeType="tmRoot"/>
+      </p:par>
+    </p:tnLst>
+  </p:timing>
 </p:sld>
 </file>
 
@@ -4320,10 +5120,70 @@
           <a:bodyPr/>
           <a:lstStyle/>
           <a:p>
-            <a:endParaRPr lang="en-US"/>
-          </a:p>
-        </p:txBody>
-      </p:sp>
+            <a:r>
+              <a:rPr lang="en-US" dirty="0" smtClean="0"/>
+              <a:t>Gantt Chart</a:t>
+            </a:r>
+          </a:p>
+          <a:p>
+            <a:endParaRPr lang="en-US" dirty="0"/>
+          </a:p>
+        </p:txBody>
+      </p:sp>
+      <p:pic>
+        <p:nvPicPr>
+          <p:cNvPr id="4098" name="Picture 2"/>
+          <p:cNvPicPr>
+            <a:picLocks noChangeAspect="1" noChangeArrowheads="1"/>
+          </p:cNvPicPr>
+          <p:nvPr/>
+        </p:nvPicPr>
+        <p:blipFill>
+          <a:blip r:embed="rId2">
+            <a:extLst>
+              <a:ext uri="{28A0092B-C50C-407E-A947-70E740481C1C}">
+                <a14:useLocalDpi xmlns:a14="http://schemas.microsoft.com/office/drawing/2010/main" val="0"/>
+              </a:ext>
+            </a:extLst>
+          </a:blip>
+          <a:srcRect/>
+          <a:stretch>
+            <a:fillRect/>
+          </a:stretch>
+        </p:blipFill>
+        <p:spPr bwMode="auto">
+          <a:xfrm>
+            <a:off x="152400" y="2085109"/>
+            <a:ext cx="8458200" cy="4670594"/>
+          </a:xfrm>
+          <a:prstGeom prst="rect">
+            <a:avLst/>
+          </a:prstGeom>
+          <a:noFill/>
+          <a:ln>
+            <a:noFill/>
+          </a:ln>
+          <a:extLst>
+            <a:ext uri="{909E8E84-426E-40DD-AFC4-6F175D3DCCD1}">
+              <a14:hiddenFill xmlns:a14="http://schemas.microsoft.com/office/drawing/2010/main">
+                <a:solidFill>
+                  <a:schemeClr val="accent1"/>
+                </a:solidFill>
+              </a14:hiddenFill>
+            </a:ext>
+            <a:ext uri="{91240B29-F687-4F45-9708-019B960494DF}">
+              <a14:hiddenLine xmlns:a14="http://schemas.microsoft.com/office/drawing/2010/main" w="9525">
+                <a:solidFill>
+                  <a:schemeClr val="tx1"/>
+                </a:solidFill>
+                <a:miter lim="800000"/>
+                <a:headEnd/>
+                <a:tailEnd/>
+              </a14:hiddenLine>
+            </a:ext>
+          </a:extLst>
+        </p:spPr>
+      </p:pic>
     </p:spTree>
     <p:extLst>
       <p:ext uri="{BB962C8B-B14F-4D97-AF65-F5344CB8AC3E}">
@@ -4334,6 +5194,13 @@
   <p:clrMapOvr>
     <a:masterClrMapping/>
   </p:clrMapOvr>
+  <p:timing>
+    <p:tnLst>
+      <p:par>
+        <p:cTn id="1" dur="indefinite" restart="never" nodeType="tmRoot"/>
+      </p:par>
+    </p:tnLst>
+  </p:timing>
 </p:sld>
 </file>
 
@@ -4392,7 +5259,195 @@
           <a:bodyPr/>
           <a:lstStyle/>
           <a:p>
-            <a:endParaRPr lang="en-US"/>
+            <a:r>
+              <a:rPr lang="en-US" dirty="0" smtClean="0"/>
+              <a:t>Gantt Chart 2</a:t>
+            </a:r>
+          </a:p>
+          <a:p>
+            <a:endParaRPr lang="en-US" dirty="0"/>
+          </a:p>
+        </p:txBody>
+      </p:sp>
+      <p:pic>
+        <p:nvPicPr>
+          <p:cNvPr id="5122" name="Picture 2"/>
+          <p:cNvPicPr>
+            <a:picLocks noChangeAspect="1" noChangeArrowheads="1"/>
+          </p:cNvPicPr>
+          <p:nvPr/>
+        </p:nvPicPr>
+        <p:blipFill rotWithShape="1">
+          <a:blip r:embed="rId2">
+            <a:extLst>
+              <a:ext uri="{28A0092B-C50C-407E-A947-70E740481C1C}">
+                <a14:useLocalDpi xmlns:a14="http://schemas.microsoft.com/office/drawing/2010/main" val="0"/>
+              </a:ext>
+            </a:extLst>
+          </a:blip>
+          <a:srcRect l="27824" t="157" r="-1116" b="-157"/>
+          <a:stretch/>
+        </p:blipFill>
+        <p:spPr bwMode="auto">
+          <a:xfrm>
+            <a:off x="2666999" y="2160619"/>
+            <a:ext cx="5611091" cy="4419600"/>
+          </a:xfrm>
+          <a:prstGeom prst="rect">
+            <a:avLst/>
+          </a:prstGeom>
+          <a:noFill/>
+          <a:ln>
+            <a:noFill/>
+          </a:ln>
+          <a:extLst>
+            <a:ext uri="{909E8E84-426E-40DD-AFC4-6F175D3DCCD1}">
+              <a14:hiddenFill xmlns:a14="http://schemas.microsoft.com/office/drawing/2010/main">
+                <a:solidFill>
+                  <a:schemeClr val="accent1"/>
+                </a:solidFill>
+              </a14:hiddenFill>
+            </a:ext>
+            <a:ext uri="{91240B29-F687-4F45-9708-019B960494DF}">
+              <a14:hiddenLine xmlns:a14="http://schemas.microsoft.com/office/drawing/2010/main" w="9525">
+                <a:solidFill>
+                  <a:schemeClr val="tx1"/>
+                </a:solidFill>
+                <a:miter lim="800000"/>
+                <a:headEnd/>
+                <a:tailEnd/>
+              </a14:hiddenLine>
+            </a:ext>
+          </a:extLst>
+        </p:spPr>
+      </p:pic>
+      <p:sp>
+        <p:nvSpPr>
+          <p:cNvPr id="4" name="TextBox 3"/>
+          <p:cNvSpPr txBox="1"/>
+          <p:nvPr/>
+        </p:nvSpPr>
+        <p:spPr>
+          <a:xfrm>
+            <a:off x="152400" y="2286000"/>
+            <a:ext cx="3733800" cy="4201150"/>
+          </a:xfrm>
+          <a:prstGeom prst="rect">
+            <a:avLst/>
+          </a:prstGeom>
+          <a:noFill/>
+        </p:spPr>
+        <p:txBody>
+          <a:bodyPr wrap="square" rtlCol="0">
+            <a:spAutoFit/>
+          </a:bodyPr>
+          <a:lstStyle/>
+          <a:p>
+            <a:pPr>
+              <a:lnSpc>
+                <a:spcPct val="150000"/>
+              </a:lnSpc>
+            </a:pPr>
+            <a:r>
+              <a:rPr lang="en-US" b="1" dirty="0"/>
+              <a:t>Package Diagram</a:t>
+            </a:r>
+          </a:p>
+          <a:p>
+            <a:pPr>
+              <a:lnSpc>
+                <a:spcPct val="150000"/>
+              </a:lnSpc>
+            </a:pPr>
+            <a:endParaRPr lang="en-US" sz="1600" b="1" dirty="0" smtClean="0"/>
+          </a:p>
+          <a:p>
+            <a:pPr>
+              <a:lnSpc>
+                <a:spcPct val="150000"/>
+              </a:lnSpc>
+            </a:pPr>
+            <a:r>
+              <a:rPr lang="en-US" sz="1600" b="1" dirty="0" smtClean="0"/>
+              <a:t>Deployment Diagram</a:t>
+            </a:r>
+          </a:p>
+          <a:p>
+            <a:pPr>
+              <a:lnSpc>
+                <a:spcPct val="150000"/>
+              </a:lnSpc>
+            </a:pPr>
+            <a:endParaRPr lang="en-US" sz="1600" b="1" dirty="0"/>
+          </a:p>
+          <a:p>
+            <a:pPr>
+              <a:lnSpc>
+                <a:spcPct val="150000"/>
+              </a:lnSpc>
+            </a:pPr>
+            <a:r>
+              <a:rPr lang="en-US" sz="1600" b="1" dirty="0" smtClean="0"/>
+              <a:t>Use Case Creation</a:t>
+            </a:r>
+          </a:p>
+          <a:p>
+            <a:pPr>
+              <a:lnSpc>
+                <a:spcPct val="150000"/>
+              </a:lnSpc>
+            </a:pPr>
+            <a:endParaRPr lang="en-US" sz="1600" b="1" dirty="0"/>
+          </a:p>
+          <a:p>
+            <a:pPr>
+              <a:lnSpc>
+                <a:spcPct val="150000"/>
+              </a:lnSpc>
+            </a:pPr>
+            <a:r>
+              <a:rPr lang="en-US" sz="1600" b="1" dirty="0" smtClean="0"/>
+              <a:t>UML State Machine</a:t>
+            </a:r>
+          </a:p>
+          <a:p>
+            <a:pPr>
+              <a:lnSpc>
+                <a:spcPct val="150000"/>
+              </a:lnSpc>
+            </a:pPr>
+            <a:endParaRPr lang="en-US" sz="1600" b="1" dirty="0"/>
+          </a:p>
+          <a:p>
+            <a:pPr>
+              <a:lnSpc>
+                <a:spcPct val="150000"/>
+              </a:lnSpc>
+            </a:pPr>
+            <a:r>
+              <a:rPr lang="en-US" sz="1600" b="1" dirty="0" smtClean="0"/>
+              <a:t>Design Class Diagram</a:t>
+            </a:r>
+          </a:p>
+          <a:p>
+            <a:pPr>
+              <a:lnSpc>
+                <a:spcPct val="150000"/>
+              </a:lnSpc>
+            </a:pPr>
+            <a:endParaRPr lang="en-US" sz="1600" b="1" dirty="0" smtClean="0"/>
+          </a:p>
+          <a:p>
+            <a:pPr>
+              <a:lnSpc>
+                <a:spcPct val="150000"/>
+              </a:lnSpc>
+            </a:pPr>
+            <a:r>
+              <a:rPr lang="en-US" sz="1600" b="1" dirty="0" smtClean="0"/>
+              <a:t>Implementation</a:t>
+            </a:r>
+            <a:endParaRPr lang="en-US" sz="1600" b="1" dirty="0"/>
           </a:p>
         </p:txBody>
       </p:sp>
@@ -4406,6 +5461,13 @@
   <p:clrMapOvr>
     <a:masterClrMapping/>
   </p:clrMapOvr>
+  <p:timing>
+    <p:tnLst>
+      <p:par>
+        <p:cTn id="1" dur="indefinite" restart="never" nodeType="tmRoot"/>
+      </p:par>
+    </p:tnLst>
+  </p:timing>
 </p:sld>
 </file>
 
@@ -4464,7 +5526,69 @@
           <a:bodyPr/>
           <a:lstStyle/>
           <a:p>
-            <a:endParaRPr lang="en-US"/>
+            <a:r>
+              <a:rPr lang="en-US" dirty="0" smtClean="0"/>
+              <a:t>Lessons Learned</a:t>
+            </a:r>
+          </a:p>
+          <a:p>
+            <a:pPr lvl="1"/>
+            <a:r>
+              <a:rPr lang="en-US" dirty="0" smtClean="0"/>
+              <a:t>Start coding sooner</a:t>
+            </a:r>
+          </a:p>
+          <a:p>
+            <a:pPr lvl="1"/>
+            <a:r>
+              <a:rPr lang="en-US" b="1" dirty="0" smtClean="0"/>
+              <a:t>Don’t</a:t>
+            </a:r>
+            <a:r>
+              <a:rPr lang="en-US" dirty="0" smtClean="0"/>
+              <a:t> use waterfall</a:t>
+            </a:r>
+          </a:p>
+          <a:p>
+            <a:pPr lvl="1"/>
+            <a:r>
+              <a:rPr lang="en-US" dirty="0" smtClean="0"/>
+              <a:t>In person meetings</a:t>
+            </a:r>
+          </a:p>
+          <a:p>
+            <a:pPr lvl="1"/>
+            <a:r>
+              <a:rPr lang="en-US" dirty="0" smtClean="0"/>
+              <a:t>Technical environment set up sooner</a:t>
+            </a:r>
+          </a:p>
+          <a:p>
+            <a:pPr lvl="1"/>
+            <a:r>
+              <a:rPr lang="en-US" dirty="0" smtClean="0"/>
+              <a:t>Model and Controller are easier to program than the view</a:t>
+            </a:r>
+          </a:p>
+          <a:p>
+            <a:pPr lvl="1"/>
+            <a:r>
+              <a:rPr lang="en-US" dirty="0" smtClean="0"/>
+              <a:t>Do not constantly move deadlines	</a:t>
+            </a:r>
+          </a:p>
+          <a:p>
+            <a:r>
+              <a:rPr lang="en-US" dirty="0" smtClean="0"/>
+              <a:t>Manager Specific</a:t>
+            </a:r>
+          </a:p>
+          <a:p>
+            <a:pPr lvl="1"/>
+            <a:r>
+              <a:rPr lang="en-US" dirty="0" smtClean="0"/>
+              <a:t>Start meetings with a plan</a:t>
+            </a:r>
           </a:p>
         </p:txBody>
       </p:sp>
@@ -4478,6 +5602,13 @@
   <p:clrMapOvr>
     <a:masterClrMapping/>
   </p:clrMapOvr>
+  <p:timing>
+    <p:tnLst>
+      <p:par>
+        <p:cTn id="1" dur="indefinite" restart="never" nodeType="tmRoot"/>
+      </p:par>
+    </p:tnLst>
+  </p:timing>
 </p:sld>
 </file>
 
@@ -4533,23 +5664,114 @@
         </p:nvSpPr>
         <p:spPr/>
         <p:txBody>
-          <a:bodyPr/>
-          <a:lstStyle/>
-          <a:p>
-            <a:endParaRPr lang="en-US"/>
+          <a:bodyPr>
+            <a:normAutofit fontScale="77500" lnSpcReduction="20000"/>
+          </a:bodyPr>
+          <a:lstStyle/>
+          <a:p>
+            <a:r>
+              <a:rPr lang="en-US" dirty="0" smtClean="0"/>
+              <a:t>Use Case Text</a:t>
+            </a:r>
+          </a:p>
+          <a:p>
+            <a:endParaRPr lang="en-US" dirty="0" smtClean="0"/>
+          </a:p>
+          <a:p>
+            <a:r>
+              <a:rPr lang="en-US" dirty="0" smtClean="0"/>
+              <a:t>Use </a:t>
+            </a:r>
+            <a:r>
+              <a:rPr lang="en-US" dirty="0"/>
+              <a:t>Case: Play Simon </a:t>
+            </a:r>
+            <a:r>
+              <a:rPr lang="en-US" dirty="0" smtClean="0"/>
+              <a:t>Says</a:t>
+            </a:r>
+            <a:r>
+              <a:rPr lang="en-US" dirty="0"/>
+              <a:t> </a:t>
+            </a:r>
+          </a:p>
+          <a:p>
+            <a:pPr lvl="0"/>
+            <a:r>
+              <a:rPr lang="en-US" dirty="0"/>
+              <a:t>Player logs into his account </a:t>
+            </a:r>
+          </a:p>
+          <a:p>
+            <a:pPr lvl="0"/>
+            <a:r>
+              <a:rPr lang="en-US" dirty="0"/>
+              <a:t>Player selects preferred options for the game</a:t>
+            </a:r>
+          </a:p>
+          <a:p>
+            <a:pPr lvl="0"/>
+            <a:r>
+              <a:rPr lang="en-US" dirty="0"/>
+              <a:t>System timer starts </a:t>
+            </a:r>
+          </a:p>
+          <a:p>
+            <a:pPr lvl="0"/>
+            <a:r>
+              <a:rPr lang="en-US" dirty="0"/>
+              <a:t>Player is presented with a number of objects based on selected options. </a:t>
+            </a:r>
+          </a:p>
+          <a:p>
+            <a:pPr lvl="0"/>
+            <a:r>
+              <a:rPr lang="en-US" dirty="0"/>
+              <a:t>Objects are activated by the user to mimic the sequence generated by the computer. </a:t>
+            </a:r>
+          </a:p>
+          <a:p>
+            <a:pPr lvl="0"/>
+            <a:r>
+              <a:rPr lang="en-US" dirty="0"/>
+              <a:t>If sequence is successfully duplicated, the player moves to the next round, earns points, and steps 1-3 are repeated</a:t>
+            </a:r>
+          </a:p>
+          <a:p>
+            <a:pPr lvl="0"/>
+            <a:r>
+              <a:rPr lang="en-US" dirty="0"/>
+              <a:t>Else the game ends </a:t>
+            </a:r>
+          </a:p>
+          <a:p>
+            <a:pPr marL="137160" indent="0">
+              <a:buNone/>
+            </a:pPr>
+            <a:endParaRPr lang="en-US" dirty="0"/>
+          </a:p>
+          <a:p>
+            <a:endParaRPr lang="en-US" dirty="0"/>
           </a:p>
         </p:txBody>
       </p:sp>
     </p:spTree>
     <p:extLst>
       <p:ext uri="{BB962C8B-B14F-4D97-AF65-F5344CB8AC3E}">
-        <p14:creationId xmlns:p14="http://schemas.microsoft.com/office/powerpoint/2010/main" val="1434033280"/>
+        <p14:creationId xmlns:p14="http://schemas.microsoft.com/office/powerpoint/2010/main" val="3651335798"/>
       </p:ext>
     </p:extLst>
   </p:cSld>
   <p:clrMapOvr>
     <a:masterClrMapping/>
   </p:clrMapOvr>
+  <p:timing>
+    <p:tnLst>
+      <p:par>
+        <p:cTn id="1" dur="indefinite" restart="never" nodeType="tmRoot"/>
+      </p:par>
+    </p:tnLst>
+  </p:timing>
 </p:sld>
 </file>
 

--- a/Delivery Briefing/Delivery Briefing.pptx
+++ b/Delivery Briefing/Delivery Briefing.pptx
@@ -3954,10 +3954,75 @@
           <a:bodyPr/>
           <a:lstStyle/>
           <a:p>
-            <a:endParaRPr lang="en-US"/>
-          </a:p>
-        </p:txBody>
-      </p:sp>
+            <a:r>
+              <a:rPr lang="en-US" dirty="0" smtClean="0"/>
+              <a:t>Functional Testing</a:t>
+            </a:r>
+          </a:p>
+          <a:p>
+            <a:pPr lvl="1"/>
+            <a:r>
+              <a:rPr lang="en-US" dirty="0" smtClean="0"/>
+              <a:t>Manual tests against requirements</a:t>
+            </a:r>
+          </a:p>
+          <a:p>
+            <a:pPr lvl="1"/>
+            <a:r>
+              <a:rPr lang="en-US" dirty="0" smtClean="0"/>
+              <a:t>Extensive use of the debugger</a:t>
+            </a:r>
+          </a:p>
+          <a:p>
+            <a:pPr lvl="1"/>
+            <a:r>
+              <a:rPr lang="en-US" dirty="0" smtClean="0"/>
+              <a:t>Code Reviews</a:t>
+            </a:r>
+            <a:endParaRPr lang="en-US" dirty="0" smtClean="0"/>
+          </a:p>
+          <a:p>
+            <a:pPr lvl="1"/>
+            <a:endParaRPr lang="en-US" dirty="0"/>
+          </a:p>
+          <a:p>
+            <a:pPr marL="585216" lvl="1" indent="0">
+              <a:buNone/>
+            </a:pPr>
+            <a:endParaRPr lang="en-US" dirty="0" smtClean="0"/>
+          </a:p>
+        </p:txBody>
+      </p:sp>
+      <p:pic>
+        <p:nvPicPr>
+          <p:cNvPr id="4" name="Picture 3"/>
+          <p:cNvPicPr>
+            <a:picLocks noChangeAspect="1"/>
+          </p:cNvPicPr>
+          <p:nvPr/>
+        </p:nvPicPr>
+        <p:blipFill>
+          <a:blip r:embed="rId2">
+            <a:extLst>
+              <a:ext uri="{28A0092B-C50C-407E-A947-70E740481C1C}">
+                <a14:useLocalDpi xmlns:a14="http://schemas.microsoft.com/office/drawing/2010/main" val="0"/>
+              </a:ext>
+            </a:extLst>
+          </a:blip>
+          <a:stretch>
+            <a:fillRect/>
+          </a:stretch>
+        </p:blipFill>
+        <p:spPr>
+          <a:xfrm>
+            <a:off x="609600" y="3752045"/>
+            <a:ext cx="7568293" cy="2057400"/>
+          </a:xfrm>
+          <a:prstGeom prst="rect">
+            <a:avLst/>
+          </a:prstGeom>
+        </p:spPr>
+      </p:pic>
     </p:spTree>
     <p:extLst>
       <p:ext uri="{BB962C8B-B14F-4D97-AF65-F5344CB8AC3E}">
@@ -4033,7 +4098,33 @@
           <a:bodyPr/>
           <a:lstStyle/>
           <a:p>
-            <a:endParaRPr lang="en-US"/>
+            <a:r>
+              <a:rPr lang="en-US" dirty="0"/>
+              <a:t>User Interface </a:t>
+            </a:r>
+            <a:r>
+              <a:rPr lang="en-US" dirty="0" smtClean="0"/>
+              <a:t>Testing</a:t>
+            </a:r>
+          </a:p>
+          <a:p>
+            <a:pPr lvl="1"/>
+            <a:r>
+              <a:rPr lang="en-US" dirty="0" smtClean="0"/>
+              <a:t>Comparison with requirements</a:t>
+            </a:r>
+            <a:endParaRPr lang="en-US" dirty="0"/>
+          </a:p>
+          <a:p>
+            <a:pPr lvl="1"/>
+            <a:r>
+              <a:rPr lang="en-US" dirty="0"/>
+              <a:t>Free form </a:t>
+            </a:r>
+            <a:r>
+              <a:rPr lang="en-US" dirty="0" smtClean="0"/>
+              <a:t>testing</a:t>
+            </a:r>
           </a:p>
         </p:txBody>
       </p:sp>
@@ -4112,7 +4203,33 @@
           <a:bodyPr/>
           <a:lstStyle/>
           <a:p>
-            <a:endParaRPr lang="en-US"/>
+            <a:r>
+              <a:rPr lang="en-US" dirty="0"/>
+              <a:t>Performance Testing</a:t>
+            </a:r>
+          </a:p>
+          <a:p>
+            <a:pPr lvl="1"/>
+            <a:r>
+              <a:rPr lang="en-US" dirty="0"/>
+              <a:t>Regular </a:t>
+            </a:r>
+            <a:r>
+              <a:rPr lang="en-US" dirty="0" smtClean="0"/>
+              <a:t>execution of program</a:t>
+            </a:r>
+          </a:p>
+          <a:p>
+            <a:pPr lvl="1"/>
+            <a:r>
+              <a:rPr lang="en-US" dirty="0" smtClean="0"/>
+              <a:t>Evaluation of performance by multiple </a:t>
+            </a:r>
+            <a:r>
+              <a:rPr lang="en-US" smtClean="0"/>
+              <a:t>group members</a:t>
+            </a:r>
+            <a:endParaRPr lang="en-US" dirty="0" smtClean="0"/>
           </a:p>
         </p:txBody>
       </p:sp>
@@ -4191,10 +4308,57 @@
           <a:bodyPr/>
           <a:lstStyle/>
           <a:p>
-            <a:endParaRPr lang="en-US"/>
-          </a:p>
-        </p:txBody>
-      </p:sp>
+            <a:r>
+              <a:rPr lang="en-US" dirty="0" smtClean="0"/>
+              <a:t>Unit Testing</a:t>
+            </a:r>
+          </a:p>
+          <a:p>
+            <a:pPr lvl="1"/>
+            <a:r>
+              <a:rPr lang="en-US" dirty="0" smtClean="0"/>
+              <a:t>Unit testing was performed on the model</a:t>
+            </a:r>
+          </a:p>
+          <a:p>
+            <a:pPr lvl="1"/>
+            <a:r>
+              <a:rPr lang="en-US" dirty="0" smtClean="0"/>
+              <a:t>Difficulties translating to Android tests</a:t>
+            </a:r>
+          </a:p>
+        </p:txBody>
+      </p:sp>
+      <p:pic>
+        <p:nvPicPr>
+          <p:cNvPr id="4" name="Picture 3"/>
+          <p:cNvPicPr>
+            <a:picLocks noChangeAspect="1"/>
+          </p:cNvPicPr>
+          <p:nvPr/>
+        </p:nvPicPr>
+        <p:blipFill>
+          <a:blip r:embed="rId2">
+            <a:extLst>
+              <a:ext uri="{28A0092B-C50C-407E-A947-70E740481C1C}">
+                <a14:useLocalDpi xmlns:a14="http://schemas.microsoft.com/office/drawing/2010/main" val="0"/>
+              </a:ext>
+            </a:extLst>
+          </a:blip>
+          <a:stretch>
+            <a:fillRect/>
+          </a:stretch>
+        </p:blipFill>
+        <p:spPr>
+          <a:xfrm>
+            <a:off x="2057400" y="3412901"/>
+            <a:ext cx="3849109" cy="3429000"/>
+          </a:xfrm>
+          <a:prstGeom prst="rect">
+            <a:avLst/>
+          </a:prstGeom>
+        </p:spPr>
+      </p:pic>
     </p:spTree>
     <p:extLst>
       <p:ext uri="{BB962C8B-B14F-4D97-AF65-F5344CB8AC3E}">
@@ -4392,10 +4556,58 @@
           <a:bodyPr/>
           <a:lstStyle/>
           <a:p>
-            <a:endParaRPr lang="en-US"/>
-          </a:p>
-        </p:txBody>
-      </p:sp>
+            <a:r>
+              <a:rPr lang="en-US" dirty="0" smtClean="0"/>
+              <a:t>Integration Testing</a:t>
+            </a:r>
+          </a:p>
+          <a:p>
+            <a:pPr lvl="1"/>
+            <a:r>
+              <a:rPr lang="en-US" dirty="0" smtClean="0"/>
+              <a:t>Planned on using the Bottom-Up model</a:t>
+            </a:r>
+          </a:p>
+          <a:p>
+            <a:pPr lvl="1"/>
+            <a:r>
+              <a:rPr lang="en-US" dirty="0" smtClean="0"/>
+              <a:t>Did not get to due to difficulties with unit testing in Android and implementation</a:t>
+            </a:r>
+            <a:endParaRPr lang="en-US" dirty="0"/>
+          </a:p>
+        </p:txBody>
+      </p:sp>
+      <p:pic>
+        <p:nvPicPr>
+          <p:cNvPr id="4" name="Picture 3"/>
+          <p:cNvPicPr>
+            <a:picLocks noChangeAspect="1"/>
+          </p:cNvPicPr>
+          <p:nvPr/>
+        </p:nvPicPr>
+        <p:blipFill>
+          <a:blip r:embed="rId2">
+            <a:extLst>
+              <a:ext uri="{28A0092B-C50C-407E-A947-70E740481C1C}">
+                <a14:useLocalDpi xmlns:a14="http://schemas.microsoft.com/office/drawing/2010/main" val="0"/>
+              </a:ext>
+            </a:extLst>
+          </a:blip>
+          <a:stretch>
+            <a:fillRect/>
+          </a:stretch>
+        </p:blipFill>
+        <p:spPr>
+          <a:xfrm>
+            <a:off x="1524000" y="3541320"/>
+            <a:ext cx="6591837" cy="3238810"/>
+          </a:xfrm>
+          <a:prstGeom prst="rect">
+            <a:avLst/>
+          </a:prstGeom>
+        </p:spPr>
+      </p:pic>
     </p:spTree>
     <p:extLst>
       <p:ext uri="{BB962C8B-B14F-4D97-AF65-F5344CB8AC3E}">
@@ -5665,7 +5877,7 @@
         <p:spPr/>
         <p:txBody>
           <a:bodyPr>
-            <a:normAutofit fontScale="77500" lnSpcReduction="20000"/>
+            <a:normAutofit fontScale="70000" lnSpcReduction="20000"/>
           </a:bodyPr>
           <a:lstStyle/>
           <a:p>
@@ -5696,49 +5908,98 @@
             </a:r>
           </a:p>
           <a:p>
-            <a:pPr lvl="0"/>
+            <a:pPr marL="651510" lvl="0" indent="-514350">
+              <a:buFont typeface="+mj-lt"/>
+              <a:buAutoNum type="arabicPeriod"/>
+            </a:pPr>
             <a:r>
               <a:rPr lang="en-US" dirty="0"/>
               <a:t>Player logs into his account </a:t>
             </a:r>
           </a:p>
           <a:p>
-            <a:pPr lvl="0"/>
+            <a:pPr marL="651510" lvl="0" indent="-514350">
+              <a:buFont typeface="+mj-lt"/>
+              <a:buAutoNum type="arabicPeriod"/>
+            </a:pPr>
             <a:r>
               <a:rPr lang="en-US" dirty="0"/>
               <a:t>Player selects preferred options for the game</a:t>
             </a:r>
           </a:p>
           <a:p>
-            <a:pPr lvl="0"/>
+            <a:pPr marL="651510" lvl="0" indent="-514350">
+              <a:buFont typeface="+mj-lt"/>
+              <a:buAutoNum type="arabicPeriod"/>
+            </a:pPr>
             <a:r>
               <a:rPr lang="en-US" dirty="0"/>
               <a:t>System timer starts </a:t>
             </a:r>
           </a:p>
           <a:p>
-            <a:pPr lvl="0"/>
+            <a:pPr marL="651510" lvl="0" indent="-514350">
+              <a:buFont typeface="+mj-lt"/>
+              <a:buAutoNum type="arabicPeriod"/>
+            </a:pPr>
             <a:r>
               <a:rPr lang="en-US" dirty="0"/>
               <a:t>Player is presented with a number of objects based on selected options. </a:t>
             </a:r>
-          </a:p>
-          <a:p>
-            <a:pPr lvl="0"/>
+            <a:endParaRPr lang="en-US" dirty="0" smtClean="0"/>
+          </a:p>
+          <a:p>
+            <a:pPr marL="651510" lvl="0" indent="-514350">
+              <a:buFont typeface="+mj-lt"/>
+              <a:buAutoNum type="arabicPeriod"/>
+            </a:pPr>
+            <a:r>
+              <a:rPr lang="en-US" dirty="0" smtClean="0"/>
+              <a:t>A sequence of objects are activated in sequence by the system.</a:t>
+            </a:r>
+            <a:endParaRPr lang="en-US" dirty="0"/>
+          </a:p>
+          <a:p>
+            <a:pPr marL="651510" lvl="0" indent="-514350">
+              <a:buFont typeface="+mj-lt"/>
+              <a:buAutoNum type="arabicPeriod"/>
+            </a:pPr>
             <a:r>
               <a:rPr lang="en-US" dirty="0"/>
-              <a:t>Objects are activated by the user to mimic the sequence generated by the computer. </a:t>
-            </a:r>
-          </a:p>
-          <a:p>
-            <a:pPr lvl="0"/>
+              <a:t>Objects are activated by the user to mimic the </a:t>
+            </a:r>
+            <a:r>
+              <a:rPr lang="en-US" dirty="0" smtClean="0"/>
+              <a:t>displayed sequence.</a:t>
+            </a:r>
+          </a:p>
+          <a:p>
+            <a:pPr marL="651510" lvl="0" indent="-514350">
+              <a:buFont typeface="+mj-lt"/>
+              <a:buAutoNum type="arabicPeriod"/>
+            </a:pPr>
+            <a:r>
+              <a:rPr lang="en-US" dirty="0" smtClean="0"/>
+              <a:t>If </a:t>
+            </a:r>
             <a:r>
               <a:rPr lang="en-US" dirty="0"/>
-              <a:t>If sequence is successfully duplicated, the player moves to the next round, earns points, and steps 1-3 are repeated</a:t>
-            </a:r>
-          </a:p>
-          <a:p>
-            <a:pPr lvl="0"/>
+              <a:t>sequence is successfully duplicated, the player moves to the next round, earns points, and steps </a:t>
+            </a:r>
+            <a:r>
+              <a:rPr lang="en-US" dirty="0" smtClean="0"/>
+              <a:t>5-6 </a:t>
+            </a:r>
+            <a:r>
+              <a:rPr lang="en-US" dirty="0"/>
+              <a:t>are repeated</a:t>
+            </a:r>
+          </a:p>
+          <a:p>
+            <a:pPr marL="651510" lvl="0" indent="-514350">
+              <a:buFont typeface="+mj-lt"/>
+              <a:buAutoNum type="arabicPeriod"/>
+            </a:pPr>
             <a:r>
               <a:rPr lang="en-US" dirty="0"/>
               <a:t>Else the game ends </a:t>

--- a/Delivery Briefing/Delivery Briefing.pptx
+++ b/Delivery Briefing/Delivery Briefing.pptx
@@ -125,6 +125,22 @@
       </a:defRPr>
     </a:lvl9pPr>
   </p:defaultTextStyle>
+  <p:extLst>
+    <p:ext uri="{EFAFB233-063F-42B5-8137-9DF3F51BA10A}">
+      <p15:sldGuideLst xmlns:p15="http://schemas.microsoft.com/office/powerpoint/2012/main">
+        <p15:guide id="1" orient="horz" pos="2160">
+          <p15:clr>
+            <a:srgbClr val="A4A3A4"/>
+          </p15:clr>
+        </p15:guide>
+        <p15:guide id="2" pos="2880">
+          <p15:clr>
+            <a:srgbClr val="A4A3A4"/>
+          </p15:clr>
+        </p15:guide>
+      </p15:sldGuideLst>
+    </p:ext>
+  </p:extLst>
 </p:presentation>
 </file>
 
@@ -3223,7 +3239,7 @@
         </p:blipFill>
         <p:spPr bwMode="auto">
           <a:xfrm>
-            <a:off x="609600" y="2380625"/>
+            <a:off x="571500" y="2209800"/>
             <a:ext cx="8001000" cy="4477375"/>
           </a:xfrm>
           <a:prstGeom prst="rect">
@@ -3979,7 +3995,6 @@
               <a:rPr lang="en-US" dirty="0" smtClean="0"/>
               <a:t>Code Reviews</a:t>
             </a:r>
-            <a:endParaRPr lang="en-US" dirty="0" smtClean="0"/>
           </a:p>
           <a:p>
             <a:pPr lvl="1"/>
@@ -4678,12 +4693,59 @@
             <p:ph idx="1"/>
           </p:nvPr>
         </p:nvSpPr>
-        <p:spPr/>
-        <p:txBody>
-          <a:bodyPr/>
-          <a:lstStyle/>
-          <a:p>
-            <a:endParaRPr lang="en-US"/>
+        <p:spPr>
+          <a:xfrm>
+            <a:off x="457200" y="1676400"/>
+            <a:ext cx="8229600" cy="4632960"/>
+          </a:xfrm>
+        </p:spPr>
+        <p:txBody>
+          <a:bodyPr/>
+          <a:lstStyle/>
+          <a:p>
+            <a:r>
+              <a:rPr lang="en-US" dirty="0" smtClean="0"/>
+              <a:t>Android Programming</a:t>
+            </a:r>
+          </a:p>
+          <a:p>
+            <a:pPr lvl="1"/>
+            <a:r>
+              <a:rPr lang="en-US" dirty="0" smtClean="0"/>
+              <a:t>William Holder</a:t>
+            </a:r>
+          </a:p>
+          <a:p>
+            <a:pPr lvl="1"/>
+            <a:r>
+              <a:rPr lang="en-US" dirty="0" smtClean="0"/>
+              <a:t>Timothy Sullivan</a:t>
+            </a:r>
+          </a:p>
+          <a:p>
+            <a:r>
+              <a:rPr lang="en-US" dirty="0" smtClean="0"/>
+              <a:t>Java Applet</a:t>
+            </a:r>
+          </a:p>
+          <a:p>
+            <a:pPr lvl="1"/>
+            <a:r>
+              <a:rPr lang="en-US" dirty="0" smtClean="0"/>
+              <a:t>Jason Purcell</a:t>
+            </a:r>
+          </a:p>
+          <a:p>
+            <a:pPr lvl="1"/>
+            <a:r>
+              <a:rPr lang="en-US" dirty="0" smtClean="0"/>
+              <a:t>Patrick </a:t>
+            </a:r>
+            <a:r>
+              <a:rPr lang="en-US" dirty="0" err="1" smtClean="0"/>
+              <a:t>Poirson</a:t>
+            </a:r>
+            <a:endParaRPr lang="en-US" dirty="0"/>
           </a:p>
         </p:txBody>
       </p:sp>
@@ -4762,7 +4824,71 @@
           <a:bodyPr/>
           <a:lstStyle/>
           <a:p>
-            <a:endParaRPr lang="en-US"/>
+            <a:r>
+              <a:rPr lang="en-US" dirty="0" smtClean="0"/>
+              <a:t>Complications:</a:t>
+            </a:r>
+          </a:p>
+          <a:p>
+            <a:pPr lvl="1"/>
+            <a:r>
+              <a:rPr lang="en-US" dirty="0" smtClean="0"/>
+              <a:t>Sakai was slow to rearrange and get documentation</a:t>
+            </a:r>
+          </a:p>
+          <a:p>
+            <a:pPr lvl="2"/>
+            <a:r>
+              <a:rPr lang="en-US" dirty="0" smtClean="0"/>
+              <a:t>We switched to </a:t>
+            </a:r>
+            <a:r>
+              <a:rPr lang="en-US" dirty="0" err="1" smtClean="0"/>
+              <a:t>Github</a:t>
+            </a:r>
+            <a:endParaRPr lang="en-US" dirty="0"/>
+          </a:p>
+          <a:p>
+            <a:pPr lvl="1"/>
+            <a:r>
+              <a:rPr lang="en-US" dirty="0" smtClean="0"/>
+              <a:t>Big Blue Button was inefficient</a:t>
+            </a:r>
+          </a:p>
+          <a:p>
+            <a:pPr lvl="2"/>
+            <a:r>
+              <a:rPr lang="en-US" dirty="0" smtClean="0"/>
+              <a:t>Switched to Skype</a:t>
+            </a:r>
+          </a:p>
+          <a:p>
+            <a:pPr lvl="2"/>
+            <a:r>
+              <a:rPr lang="en-US" dirty="0" smtClean="0"/>
+              <a:t>Used BBB for screen share</a:t>
+            </a:r>
+          </a:p>
+          <a:p>
+            <a:pPr lvl="1"/>
+            <a:r>
+              <a:rPr lang="en-US" dirty="0" smtClean="0"/>
+              <a:t>Group had different schedules and inconsistent work loads</a:t>
+            </a:r>
+          </a:p>
+          <a:p>
+            <a:pPr lvl="2"/>
+            <a:r>
+              <a:rPr lang="en-US" dirty="0" smtClean="0"/>
+              <a:t>Meeting were changed to twice a week</a:t>
+            </a:r>
+          </a:p>
+          <a:p>
+            <a:pPr lvl="2"/>
+            <a:r>
+              <a:rPr lang="en-US" dirty="0" smtClean="0"/>
+              <a:t>More flexible task assignment</a:t>
+            </a:r>
           </a:p>
         </p:txBody>
       </p:sp>

--- a/Delivery Briefing/Delivery Briefing.pptx
+++ b/Delivery Briefing/Delivery Briefing.pptx
@@ -3891,7 +3891,7 @@
           <a:bodyPr/>
           <a:lstStyle/>
           <a:p>
-            <a:endParaRPr lang="en-US"/>
+            <a:endParaRPr lang="en-US" b="1" dirty="0"/>
           </a:p>
         </p:txBody>
       </p:sp>

--- a/Delivery Briefing/Delivery Briefing.pptx
+++ b/Delivery Briefing/Delivery Briefing.pptx
@@ -127,7 +127,7 @@
   </p:defaultTextStyle>
   <p:extLst>
     <p:ext uri="{EFAFB233-063F-42B5-8137-9DF3F51BA10A}">
-      <p15:sldGuideLst xmlns:p15="http://schemas.microsoft.com/office/powerpoint/2012/main">
+      <p15:sldGuideLst xmlns:p15="http://schemas.microsoft.com/office/powerpoint/2012/main" xmlns="">
         <p15:guide id="1" orient="horz" pos="2160">
           <p15:clr>
             <a:srgbClr val="A4A3A4"/>
@@ -4738,12 +4738,12 @@
           <a:p>
             <a:pPr lvl="1"/>
             <a:r>
-              <a:rPr lang="en-US" dirty="0" smtClean="0"/>
-              <a:t>Patrick </a:t>
-            </a:r>
-            <a:r>
               <a:rPr lang="en-US" dirty="0" err="1" smtClean="0"/>
-              <a:t>Poirson</a:t>
+              <a:t>Ric</a:t>
+            </a:r>
+            <a:r>
+              <a:rPr lang="en-US" smtClean="0"/>
+              <a:t> Poirson</a:t>
             </a:r>
             <a:endParaRPr lang="en-US" dirty="0"/>
           </a:p>

--- a/Delivery Briefing/Delivery Briefing.pptx
+++ b/Delivery Briefing/Delivery Briefing.pptx
@@ -127,7 +127,7 @@
   </p:defaultTextStyle>
   <p:extLst>
     <p:ext uri="{EFAFB233-063F-42B5-8137-9DF3F51BA10A}">
-      <p15:sldGuideLst xmlns:p15="http://schemas.microsoft.com/office/powerpoint/2012/main" xmlns="">
+      <p15:sldGuideLst xmlns="" xmlns:p15="http://schemas.microsoft.com/office/powerpoint/2012/main">
         <p15:guide id="1" orient="horz" pos="2160">
           <p15:clr>
             <a:srgbClr val="A4A3A4"/>
@@ -3886,15 +3886,67 @@
             <p:ph idx="1"/>
           </p:nvPr>
         </p:nvSpPr>
-        <p:spPr/>
-        <p:txBody>
-          <a:bodyPr/>
-          <a:lstStyle/>
+        <p:spPr>
+          <a:xfrm>
+            <a:off x="457200" y="1295400"/>
+            <a:ext cx="8229600" cy="5013960"/>
+          </a:xfrm>
+        </p:spPr>
+        <p:txBody>
+          <a:bodyPr/>
+          <a:lstStyle/>
+          <a:p>
+            <a:r>
+              <a:rPr lang="en-US" b="1" dirty="0" smtClean="0"/>
+              <a:t>Design Model</a:t>
+            </a:r>
+          </a:p>
           <a:p>
             <a:endParaRPr lang="en-US" b="1" dirty="0"/>
           </a:p>
         </p:txBody>
       </p:sp>
+      <p:pic>
+        <p:nvPicPr>
+          <p:cNvPr id="1026" name="Picture 2" descr="C:\Users\Ric\Documents\GitHub\ProjectFiles\Object Design\Needs Work\DesignModelFix.jpg"/>
+          <p:cNvPicPr>
+            <a:picLocks noChangeAspect="1" noChangeArrowheads="1"/>
+          </p:cNvPicPr>
+          <p:nvPr/>
+        </p:nvPicPr>
+        <p:blipFill>
+          <a:blip r:embed="rId2">
+            <a:extLst>
+              <a:ext uri="{28A0092B-C50C-407E-A947-70E740481C1C}">
+                <a14:useLocalDpi xmlns:a14="http://schemas.microsoft.com/office/drawing/2010/main" val="0"/>
+              </a:ext>
+            </a:extLst>
+          </a:blip>
+          <a:srcRect/>
+          <a:stretch>
+            <a:fillRect/>
+          </a:stretch>
+        </p:blipFill>
+        <p:spPr bwMode="auto">
+          <a:xfrm>
+            <a:off x="381000" y="1976310"/>
+            <a:ext cx="7924800" cy="4818430"/>
+          </a:xfrm>
+          <a:prstGeom prst="rect">
+            <a:avLst/>
+          </a:prstGeom>
+          <a:noFill/>
+          <a:extLst>
+            <a:ext uri="{909E8E84-426E-40DD-AFC4-6F175D3DCCD1}">
+              <a14:hiddenFill xmlns:a14="http://schemas.microsoft.com/office/drawing/2010/main">
+                <a:solidFill>
+                  <a:srgbClr val="FFFFFF"/>
+                </a:solidFill>
+              </a14:hiddenFill>
+            </a:ext>
+          </a:extLst>
+        </p:spPr>
+      </p:pic>
     </p:spTree>
     <p:extLst>
       <p:ext uri="{BB962C8B-B14F-4D97-AF65-F5344CB8AC3E}">
